--- a/Documentação/Documentação_Teorica/Jornada_Usuario V1.pptx
+++ b/Documentação/Documentação_Teorica/Jornada_Usuario V1.pptx
@@ -259,7 +259,7 @@
           <a:p>
             <a:fld id="{1031C30C-6021-461E-9557-3DA92FC53FF9}" type="datetimeFigureOut">
               <a:rPr lang="pt-BR" smtClean="0"/>
-              <a:t>02/03/2021</a:t>
+              <a:t>05/03/2021</a:t>
             </a:fld>
             <a:endParaRPr lang="pt-BR"/>
           </a:p>
@@ -457,7 +457,7 @@
           <a:p>
             <a:fld id="{1031C30C-6021-461E-9557-3DA92FC53FF9}" type="datetimeFigureOut">
               <a:rPr lang="pt-BR" smtClean="0"/>
-              <a:t>02/03/2021</a:t>
+              <a:t>05/03/2021</a:t>
             </a:fld>
             <a:endParaRPr lang="pt-BR"/>
           </a:p>
@@ -665,7 +665,7 @@
           <a:p>
             <a:fld id="{1031C30C-6021-461E-9557-3DA92FC53FF9}" type="datetimeFigureOut">
               <a:rPr lang="pt-BR" smtClean="0"/>
-              <a:t>02/03/2021</a:t>
+              <a:t>05/03/2021</a:t>
             </a:fld>
             <a:endParaRPr lang="pt-BR"/>
           </a:p>
@@ -1863,7 +1863,7 @@
           <a:p>
             <a:fld id="{1031C30C-6021-461E-9557-3DA92FC53FF9}" type="datetimeFigureOut">
               <a:rPr lang="pt-BR" smtClean="0"/>
-              <a:t>02/03/2021</a:t>
+              <a:t>05/03/2021</a:t>
             </a:fld>
             <a:endParaRPr lang="pt-BR"/>
           </a:p>
@@ -2138,7 +2138,7 @@
           <a:p>
             <a:fld id="{1031C30C-6021-461E-9557-3DA92FC53FF9}" type="datetimeFigureOut">
               <a:rPr lang="pt-BR" smtClean="0"/>
-              <a:t>02/03/2021</a:t>
+              <a:t>05/03/2021</a:t>
             </a:fld>
             <a:endParaRPr lang="pt-BR"/>
           </a:p>
@@ -2403,7 +2403,7 @@
           <a:p>
             <a:fld id="{1031C30C-6021-461E-9557-3DA92FC53FF9}" type="datetimeFigureOut">
               <a:rPr lang="pt-BR" smtClean="0"/>
-              <a:t>02/03/2021</a:t>
+              <a:t>05/03/2021</a:t>
             </a:fld>
             <a:endParaRPr lang="pt-BR"/>
           </a:p>
@@ -2815,7 +2815,7 @@
           <a:p>
             <a:fld id="{1031C30C-6021-461E-9557-3DA92FC53FF9}" type="datetimeFigureOut">
               <a:rPr lang="pt-BR" smtClean="0"/>
-              <a:t>02/03/2021</a:t>
+              <a:t>05/03/2021</a:t>
             </a:fld>
             <a:endParaRPr lang="pt-BR"/>
           </a:p>
@@ -2956,7 +2956,7 @@
           <a:p>
             <a:fld id="{1031C30C-6021-461E-9557-3DA92FC53FF9}" type="datetimeFigureOut">
               <a:rPr lang="pt-BR" smtClean="0"/>
-              <a:t>02/03/2021</a:t>
+              <a:t>05/03/2021</a:t>
             </a:fld>
             <a:endParaRPr lang="pt-BR"/>
           </a:p>
@@ -3069,7 +3069,7 @@
           <a:p>
             <a:fld id="{1031C30C-6021-461E-9557-3DA92FC53FF9}" type="datetimeFigureOut">
               <a:rPr lang="pt-BR" smtClean="0"/>
-              <a:t>02/03/2021</a:t>
+              <a:t>05/03/2021</a:t>
             </a:fld>
             <a:endParaRPr lang="pt-BR"/>
           </a:p>
@@ -3380,7 +3380,7 @@
           <a:p>
             <a:fld id="{1031C30C-6021-461E-9557-3DA92FC53FF9}" type="datetimeFigureOut">
               <a:rPr lang="pt-BR" smtClean="0"/>
-              <a:t>02/03/2021</a:t>
+              <a:t>05/03/2021</a:t>
             </a:fld>
             <a:endParaRPr lang="pt-BR"/>
           </a:p>
@@ -3668,7 +3668,7 @@
           <a:p>
             <a:fld id="{1031C30C-6021-461E-9557-3DA92FC53FF9}" type="datetimeFigureOut">
               <a:rPr lang="pt-BR" smtClean="0"/>
-              <a:t>02/03/2021</a:t>
+              <a:t>05/03/2021</a:t>
             </a:fld>
             <a:endParaRPr lang="pt-BR"/>
           </a:p>
@@ -3909,7 +3909,7 @@
           <a:p>
             <a:fld id="{1031C30C-6021-461E-9557-3DA92FC53FF9}" type="datetimeFigureOut">
               <a:rPr lang="pt-BR" smtClean="0"/>
-              <a:t>02/03/2021</a:t>
+              <a:t>05/03/2021</a:t>
             </a:fld>
             <a:endParaRPr lang="pt-BR"/>
           </a:p>
@@ -4489,7 +4489,7 @@
         <p:spPr>
           <a:xfrm>
             <a:off x="2214437" y="1789217"/>
-            <a:ext cx="1796078" cy="845809"/>
+            <a:ext cx="1796078" cy="835934"/>
           </a:xfrm>
           <a:prstGeom prst="rect">
             <a:avLst/>
@@ -5889,7 +5889,7 @@
         </p:blipFill>
         <p:spPr bwMode="auto">
           <a:xfrm>
-            <a:off x="10522092" y="5009410"/>
+            <a:off x="10510967" y="4969145"/>
             <a:ext cx="950940" cy="950940"/>
           </a:xfrm>
           <a:prstGeom prst="rect">
@@ -5936,7 +5936,7 @@
         </p:blipFill>
         <p:spPr bwMode="auto">
           <a:xfrm>
-            <a:off x="2527315" y="4987624"/>
+            <a:off x="2449867" y="5000780"/>
             <a:ext cx="950940" cy="950940"/>
           </a:xfrm>
           <a:prstGeom prst="rect">
@@ -5983,7 +5983,7 @@
         </p:blipFill>
         <p:spPr bwMode="auto">
           <a:xfrm>
-            <a:off x="4494296" y="4987624"/>
+            <a:off x="4389714" y="4988962"/>
             <a:ext cx="950940" cy="950940"/>
           </a:xfrm>
           <a:prstGeom prst="rect">
@@ -6030,7 +6030,7 @@
         </p:blipFill>
         <p:spPr bwMode="auto">
           <a:xfrm>
-            <a:off x="6374985" y="4987624"/>
+            <a:off x="6278762" y="4986294"/>
             <a:ext cx="950940" cy="950940"/>
           </a:xfrm>
           <a:prstGeom prst="rect">
@@ -6077,7 +6077,7 @@
         </p:blipFill>
         <p:spPr bwMode="auto">
           <a:xfrm>
-            <a:off x="8301905" y="4983192"/>
+            <a:off x="8223216" y="4968241"/>
             <a:ext cx="950940" cy="950940"/>
           </a:xfrm>
           <a:prstGeom prst="rect">
